--- a/docs/Project Overview.pptx
+++ b/docs/Project Overview.pptx
@@ -112,6 +112,11 @@
       </a:defRPr>
     </a:lvl9pPr>
   </p:defaultTextStyle>
+  <p:extLst>
+    <p:ext uri="{EFAFB233-063F-42B5-8137-9DF3F51BA10A}">
+      <p15:sldGuideLst xmlns:p15="http://schemas.microsoft.com/office/powerpoint/2012/main"/>
+    </p:ext>
+  </p:extLst>
 </p:presentation>
 </file>
 
@@ -6606,7 +6611,7 @@
             <a:pPr lvl="1"/>
             <a:r>
               <a:rPr lang="en-US" dirty="0"/>
-              <a:t>Fan Map generation link, which directs the user to a different rout with a new map that has information about the Fan Map  </a:t>
+              <a:t>Fan Map generation link, which directs the user to a different route with a new map that has information about the Fan Map  </a:t>
             </a:r>
           </a:p>
           <a:p>
@@ -6989,7 +6994,7 @@
             <a:pPr lvl="1"/>
             <a:r>
               <a:rPr lang="en-US" dirty="0"/>
-              <a:t>Ex: a lot of say bad things about Justin Bieber on social media, but they still may like his songs </a:t>
+              <a:t>Ex: a lot of people say bad things about Justin Bieber on social media, but they still may like his songs </a:t>
             </a:r>
           </a:p>
           <a:p>
@@ -7056,10 +7061,6 @@
               <a:rPr lang="en-US" dirty="0"/>
               <a:t>Will kind of normalize the factor of touring in a particular country</a:t>
             </a:r>
-          </a:p>
-          <a:p>
-            <a:pPr lvl="1"/>
-            <a:endParaRPr lang="en-US" dirty="0"/>
           </a:p>
         </p:txBody>
       </p:sp>
